--- a/presentation/DADOS E APRENDIZAGEM AUTOMÁTICA.pptx
+++ b/presentation/DADOS E APRENDIZAGEM AUTOMÁTICA.pptx
@@ -150,7 +150,7 @@
   <p1510:revLst>
     <p1510:client id="{0409352D-8F2D-4E72-AFCF-705D44C40FE4}" vWet="6" dt="2022-11-21T18:26:44.294"/>
     <p1510:client id="{0D3C6760-1568-E33B-158C-7440B2DE6BE0}" v="107" dt="2023-01-18T18:26:47.659"/>
-    <p1510:client id="{0F8B7D5F-61C5-469B-93C3-8B89F132FBD3}" v="802" dt="2023-01-19T12:03:54.204"/>
+    <p1510:client id="{0F8B7D5F-61C5-469B-93C3-8B89F132FBD3}" v="814" dt="2023-01-19T13:02:53.400"/>
     <p1510:client id="{10F0E126-864D-4DB8-972C-F5BEF94EB1CC}" v="38" dt="2023-01-19T12:03:06.120"/>
     <p1510:client id="{1419B714-B7F9-4C36-AC72-0899A371B69B}" v="379" dt="2023-01-19T01:54:53.014"/>
     <p1510:client id="{218C1104-02FE-6807-6632-26419B3B7396}" v="187" dt="2022-11-23T23:16:58.333"/>
@@ -17555,7 +17555,7 @@
         </p:nvSpPr>
         <p:spPr>
           <a:xfrm>
-            <a:off x="4357731" y="2669598"/>
+            <a:off x="4442398" y="2669598"/>
             <a:ext cx="568529" cy="461665"/>
           </a:xfrm>
           <a:prstGeom prst="rect">
@@ -17574,11 +17574,11 @@
           <a:p>
             <a:pPr algn="l"/>
             <a:r>
-              <a:rPr lang="pt-PT" sz="1200">
+              <a:rPr lang="pt-PT" sz="1200" dirty="0">
                 <a:ea typeface="+mn-lt"/>
                 <a:cs typeface="+mn-lt"/>
               </a:rPr>
-              <a:t>N105</a:t>
+              <a:t>IC5</a:t>
             </a:r>
           </a:p>
           <a:p>
@@ -17600,7 +17600,7 @@
         </p:nvSpPr>
         <p:spPr>
           <a:xfrm>
-            <a:off x="5698287" y="2669598"/>
+            <a:off x="5599509" y="2669598"/>
             <a:ext cx="568529" cy="461665"/>
           </a:xfrm>
           <a:prstGeom prst="rect">
@@ -17619,11 +17619,11 @@
           <a:p>
             <a:pPr algn="l"/>
             <a:r>
-              <a:rPr lang="pt-PT" sz="1200">
+              <a:rPr lang="pt-PT" sz="1200" dirty="0">
                 <a:ea typeface="+mn-lt"/>
                 <a:cs typeface="+mn-lt"/>
               </a:rPr>
-              <a:t>IC5</a:t>
+              <a:t>N105</a:t>
             </a:r>
           </a:p>
           <a:p>
